--- a/SpatialDataAnalysis_withR/slides.pptx
+++ b/SpatialDataAnalysis_withR/slides.pptx
@@ -6,7 +6,7 @@
     <p:sldMasterId id="2147483665" r:id="rId6"/>
   </p:sldMasterIdLst>
   <p:notesMasterIdLst>
-    <p:notesMasterId r:id="rId25"/>
+    <p:notesMasterId r:id="rId30"/>
   </p:notesMasterIdLst>
   <p:sldIdLst>
     <p:sldId id="258" r:id="rId7"/>
@@ -25,8 +25,13 @@
     <p:sldId id="275" r:id="rId20"/>
     <p:sldId id="267" r:id="rId21"/>
     <p:sldId id="278" r:id="rId22"/>
-    <p:sldId id="265" r:id="rId23"/>
-    <p:sldId id="266" r:id="rId24"/>
+    <p:sldId id="280" r:id="rId23"/>
+    <p:sldId id="281" r:id="rId24"/>
+    <p:sldId id="279" r:id="rId25"/>
+    <p:sldId id="282" r:id="rId26"/>
+    <p:sldId id="284" r:id="rId27"/>
+    <p:sldId id="265" r:id="rId28"/>
+    <p:sldId id="266" r:id="rId29"/>
   </p:sldIdLst>
   <p:sldSz cx="9144000" cy="6858000" type="screen4x3"/>
   <p:notesSz cx="6858000" cy="9144000"/>
@@ -256,7 +261,7 @@
           <a:p>
             <a:fld id="{A9A835FC-6767-4CDE-BD5F-02D4E14C68AB}" type="datetimeFigureOut">
               <a:rPr lang="en-GB" smtClean="0"/>
-              <a:t>10/10/2020</a:t>
+              <a:t>13/10/2020</a:t>
             </a:fld>
             <a:endParaRPr lang="en-GB"/>
           </a:p>
@@ -5286,6 +5291,7 @@
     <p:sldLayoutId id="2147483686" r:id="rId9"/>
     <p:sldLayoutId id="2147483685" r:id="rId10"/>
   </p:sldLayoutIdLst>
+  <p:hf sldNum="0" hdr="0" ftr="0" dt="0"/>
   <p:txStyles>
     <p:titleStyle>
       <a:lvl1pPr algn="l" rtl="0" eaLnBrk="1" fontAlgn="base" hangingPunct="1">
@@ -5957,6 +5963,7 @@
     <p:sldLayoutId id="2147483706" r:id="rId9"/>
     <p:sldLayoutId id="2147483705" r:id="rId10"/>
   </p:sldLayoutIdLst>
+  <p:hf sldNum="0" hdr="0" ftr="0" dt="0"/>
   <p:txStyles>
     <p:titleStyle>
       <a:lvl1pPr algn="l" rtl="0" eaLnBrk="0" fontAlgn="base" hangingPunct="0">
@@ -7404,40 +7411,136 @@
             <p:ph type="title"/>
           </p:nvPr>
         </p:nvSpPr>
-        <p:spPr/>
+        <p:spPr>
+          <a:xfrm>
+            <a:off x="679602" y="476672"/>
+            <a:ext cx="7997825" cy="1143000"/>
+          </a:xfrm>
+        </p:spPr>
         <p:txBody>
           <a:bodyPr/>
           <a:lstStyle/>
           <a:p>
             <a:r>
-              <a:rPr lang="en-GB" dirty="0"/>
-              <a:t>Way</a:t>
-            </a:r>
-          </a:p>
-        </p:txBody>
-      </p:sp>
-      <p:sp>
-        <p:nvSpPr>
-          <p:cNvPr id="3" name="Content Placeholder 2">
+              <a:rPr lang="en-GB" dirty="0">
+                <a:latin typeface="Tahoma" panose="020B0604030504040204" pitchFamily="34" charset="0"/>
+                <a:ea typeface="Tahoma" panose="020B0604030504040204" pitchFamily="34" charset="0"/>
+                <a:cs typeface="Tahoma" panose="020B0604030504040204" pitchFamily="34" charset="0"/>
+              </a:rPr>
+              <a:t>R as a GIS</a:t>
+            </a:r>
+          </a:p>
+        </p:txBody>
+      </p:sp>
+      <p:sp>
+        <p:nvSpPr>
+          <p:cNvPr id="16" name="TextBox 15">
             <a:extLst>
               <a:ext uri="{FF2B5EF4-FFF2-40B4-BE49-F238E27FC236}">
-                <a16:creationId xmlns:a16="http://schemas.microsoft.com/office/drawing/2014/main" id="{8F1735EA-CD53-42D0-A8DA-66F05FE4DA93}"/>
+                <a16:creationId xmlns:a16="http://schemas.microsoft.com/office/drawing/2014/main" id="{24192310-4ABF-4FB5-8238-7D34E4D568F6}"/>
               </a:ext>
             </a:extLst>
           </p:cNvPr>
-          <p:cNvSpPr>
-            <a:spLocks noGrp="1"/>
-          </p:cNvSpPr>
-          <p:nvPr>
-            <p:ph idx="1"/>
-          </p:nvPr>
-        </p:nvSpPr>
-        <p:spPr/>
-        <p:txBody>
-          <a:bodyPr/>
+          <p:cNvSpPr txBox="1"/>
+          <p:nvPr/>
+        </p:nvSpPr>
+        <p:spPr>
+          <a:xfrm>
+            <a:off x="620969" y="2397948"/>
+            <a:ext cx="8064251" cy="2062103"/>
+          </a:xfrm>
+          <a:prstGeom prst="rect">
+            <a:avLst/>
+          </a:prstGeom>
+          <a:noFill/>
+        </p:spPr>
+        <p:txBody>
+          <a:bodyPr wrap="square" rtlCol="0">
+            <a:spAutoFit/>
+          </a:bodyPr>
           <a:lstStyle/>
           <a:p>
-            <a:endParaRPr lang="en-GB"/>
+            <a:r>
+              <a:rPr lang="en-GB" sz="2400" dirty="0">
+                <a:latin typeface="Tahoma" panose="020B0604030504040204" pitchFamily="34" charset="0"/>
+                <a:ea typeface="Tahoma" panose="020B0604030504040204" pitchFamily="34" charset="0"/>
+                <a:cs typeface="Tahoma" panose="020B0604030504040204" pitchFamily="34" charset="0"/>
+              </a:rPr>
+              <a:t>Main packages: ‘</a:t>
+            </a:r>
+            <a:r>
+              <a:rPr lang="en-GB" sz="3200" dirty="0" err="1">
+                <a:latin typeface="Tahoma" panose="020B0604030504040204" pitchFamily="34" charset="0"/>
+                <a:ea typeface="Tahoma" panose="020B0604030504040204" pitchFamily="34" charset="0"/>
+                <a:cs typeface="Tahoma" panose="020B0604030504040204" pitchFamily="34" charset="0"/>
+              </a:rPr>
+              <a:t>sp</a:t>
+            </a:r>
+            <a:r>
+              <a:rPr lang="en-GB" sz="2400" dirty="0">
+                <a:latin typeface="Tahoma" panose="020B0604030504040204" pitchFamily="34" charset="0"/>
+                <a:ea typeface="Tahoma" panose="020B0604030504040204" pitchFamily="34" charset="0"/>
+                <a:cs typeface="Tahoma" panose="020B0604030504040204" pitchFamily="34" charset="0"/>
+              </a:rPr>
+              <a:t>’, ‘</a:t>
+            </a:r>
+            <a:r>
+              <a:rPr lang="en-GB" sz="3200" dirty="0">
+                <a:latin typeface="Tahoma" panose="020B0604030504040204" pitchFamily="34" charset="0"/>
+                <a:ea typeface="Tahoma" panose="020B0604030504040204" pitchFamily="34" charset="0"/>
+                <a:cs typeface="Tahoma" panose="020B0604030504040204" pitchFamily="34" charset="0"/>
+              </a:rPr>
+              <a:t>raster</a:t>
+            </a:r>
+            <a:r>
+              <a:rPr lang="en-GB" sz="2400" dirty="0">
+                <a:latin typeface="Tahoma" panose="020B0604030504040204" pitchFamily="34" charset="0"/>
+                <a:ea typeface="Tahoma" panose="020B0604030504040204" pitchFamily="34" charset="0"/>
+                <a:cs typeface="Tahoma" panose="020B0604030504040204" pitchFamily="34" charset="0"/>
+              </a:rPr>
+              <a:t>’ and ‘</a:t>
+            </a:r>
+            <a:r>
+              <a:rPr lang="en-GB" sz="3200" dirty="0" err="1">
+                <a:latin typeface="Tahoma" panose="020B0604030504040204" pitchFamily="34" charset="0"/>
+                <a:ea typeface="Tahoma" panose="020B0604030504040204" pitchFamily="34" charset="0"/>
+                <a:cs typeface="Tahoma" panose="020B0604030504040204" pitchFamily="34" charset="0"/>
+              </a:rPr>
+              <a:t>rgdal</a:t>
+            </a:r>
+            <a:r>
+              <a:rPr lang="en-GB" sz="2400" dirty="0">
+                <a:latin typeface="Tahoma" panose="020B0604030504040204" pitchFamily="34" charset="0"/>
+                <a:ea typeface="Tahoma" panose="020B0604030504040204" pitchFamily="34" charset="0"/>
+                <a:cs typeface="Tahoma" panose="020B0604030504040204" pitchFamily="34" charset="0"/>
+              </a:rPr>
+              <a:t>’ still go-to functions to use</a:t>
+            </a:r>
+          </a:p>
+          <a:p>
+            <a:endParaRPr lang="en-GB" sz="2400" dirty="0">
+              <a:latin typeface="Tahoma" panose="020B0604030504040204" pitchFamily="34" charset="0"/>
+              <a:ea typeface="Tahoma" panose="020B0604030504040204" pitchFamily="34" charset="0"/>
+              <a:cs typeface="Tahoma" panose="020B0604030504040204" pitchFamily="34" charset="0"/>
+            </a:endParaRPr>
+          </a:p>
+          <a:p>
+            <a:r>
+              <a:rPr lang="en-GB" sz="2400" b="1" dirty="0">
+                <a:latin typeface="Tahoma" panose="020B0604030504040204" pitchFamily="34" charset="0"/>
+                <a:ea typeface="Tahoma" panose="020B0604030504040204" pitchFamily="34" charset="0"/>
+                <a:cs typeface="Tahoma" panose="020B0604030504040204" pitchFamily="34" charset="0"/>
+              </a:rPr>
+              <a:t>Problem: </a:t>
+            </a:r>
+            <a:r>
+              <a:rPr lang="en-GB" sz="2400" dirty="0">
+                <a:latin typeface="Tahoma" panose="020B0604030504040204" pitchFamily="34" charset="0"/>
+                <a:ea typeface="Tahoma" panose="020B0604030504040204" pitchFamily="34" charset="0"/>
+                <a:cs typeface="Tahoma" panose="020B0604030504040204" pitchFamily="34" charset="0"/>
+              </a:rPr>
+              <a:t>Each have their own object-based model, often inefficient code</a:t>
+            </a:r>
           </a:p>
         </p:txBody>
       </p:sp>
@@ -7476,7 +7579,7 @@
           <p:cNvPr id="2" name="Title 1">
             <a:extLst>
               <a:ext uri="{FF2B5EF4-FFF2-40B4-BE49-F238E27FC236}">
-                <a16:creationId xmlns:a16="http://schemas.microsoft.com/office/drawing/2014/main" id="{ED071ED5-2017-4738-A8A8-23D8962257A6}"/>
+                <a16:creationId xmlns:a16="http://schemas.microsoft.com/office/drawing/2014/main" id="{CD75AF94-0C83-4C40-ADF8-8115C8450F6C}"/>
               </a:ext>
             </a:extLst>
           </p:cNvPr>
@@ -7487,60 +7590,64 @@
             <p:ph type="title"/>
           </p:nvPr>
         </p:nvSpPr>
-        <p:spPr/>
+        <p:spPr>
+          <a:xfrm>
+            <a:off x="107504" y="116632"/>
+            <a:ext cx="7997825" cy="1143000"/>
+          </a:xfrm>
+        </p:spPr>
         <p:txBody>
           <a:bodyPr/>
           <a:lstStyle/>
           <a:p>
             <a:r>
               <a:rPr lang="en-GB" dirty="0"/>
-              <a:t>Online course materials</a:t>
-            </a:r>
-          </a:p>
-        </p:txBody>
-      </p:sp>
-      <p:sp>
-        <p:nvSpPr>
-          <p:cNvPr id="3" name="Content Placeholder 2">
+              <a:t>Tidy data and simple features</a:t>
+            </a:r>
+          </a:p>
+        </p:txBody>
+      </p:sp>
+      <p:pic>
+        <p:nvPicPr>
+          <p:cNvPr id="5" name="Content Placeholder 4">
             <a:extLst>
               <a:ext uri="{FF2B5EF4-FFF2-40B4-BE49-F238E27FC236}">
-                <a16:creationId xmlns:a16="http://schemas.microsoft.com/office/drawing/2014/main" id="{44408FC0-26D6-4AA9-9D29-ECE6CFCACEBD}"/>
+                <a16:creationId xmlns:a16="http://schemas.microsoft.com/office/drawing/2014/main" id="{C46291E0-2EEB-4BE9-8E4B-4B1ED2924AFC}"/>
               </a:ext>
             </a:extLst>
           </p:cNvPr>
-          <p:cNvSpPr>
-            <a:spLocks noGrp="1"/>
-          </p:cNvSpPr>
+          <p:cNvPicPr>
+            <a:picLocks noGrp="1" noChangeAspect="1"/>
+          </p:cNvPicPr>
           <p:nvPr>
             <p:ph idx="1"/>
           </p:nvPr>
-        </p:nvSpPr>
+        </p:nvPicPr>
+        <p:blipFill>
+          <a:blip r:embed="rId2">
+            <a:extLst>
+              <a:ext uri="{28A0092B-C50C-407E-A947-70E740481C1C}">
+                <a14:useLocalDpi xmlns:a14="http://schemas.microsoft.com/office/drawing/2010/main" val="0"/>
+              </a:ext>
+            </a:extLst>
+          </a:blip>
+          <a:stretch>
+            <a:fillRect/>
+          </a:stretch>
+        </p:blipFill>
         <p:spPr>
           <a:xfrm>
-            <a:off x="684213" y="5661248"/>
-            <a:ext cx="7997825" cy="464915"/>
+            <a:off x="7131496" y="116632"/>
+            <a:ext cx="1905000" cy="1905000"/>
           </a:xfrm>
         </p:spPr>
-        <p:txBody>
-          <a:bodyPr/>
-          <a:lstStyle/>
-          <a:p>
-            <a:pPr marL="0" indent="0" algn="ctr">
-              <a:buNone/>
-            </a:pPr>
-            <a:r>
-              <a:rPr lang="en-GB" dirty="0"/>
-              <a:t>&lt;URL&gt;</a:t>
-            </a:r>
-          </a:p>
-        </p:txBody>
-      </p:sp>
+      </p:pic>
       <p:pic>
         <p:nvPicPr>
-          <p:cNvPr id="4" name="Picture 3">
+          <p:cNvPr id="7" name="Picture 6">
             <a:extLst>
               <a:ext uri="{FF2B5EF4-FFF2-40B4-BE49-F238E27FC236}">
-                <a16:creationId xmlns:a16="http://schemas.microsoft.com/office/drawing/2014/main" id="{40D9FFCB-711D-4DBE-AD70-AAB5500F021D}"/>
+                <a16:creationId xmlns:a16="http://schemas.microsoft.com/office/drawing/2014/main" id="{114F4855-5331-4604-BB01-043EFAA91BB3}"/>
               </a:ext>
             </a:extLst>
           </p:cNvPr>
@@ -7550,25 +7657,101 @@
           <p:nvPr/>
         </p:nvPicPr>
         <p:blipFill>
-          <a:blip r:embed="rId2"/>
+          <a:blip r:embed="rId3">
+            <a:extLst>
+              <a:ext uri="{28A0092B-C50C-407E-A947-70E740481C1C}">
+                <a14:useLocalDpi xmlns:a14="http://schemas.microsoft.com/office/drawing/2010/main" val="0"/>
+              </a:ext>
+            </a:extLst>
+          </a:blip>
           <a:stretch>
             <a:fillRect/>
           </a:stretch>
         </p:blipFill>
         <p:spPr>
           <a:xfrm>
-            <a:off x="0" y="1543284"/>
-            <a:ext cx="9144000" cy="3771431"/>
+            <a:off x="0" y="2636912"/>
+            <a:ext cx="9144000" cy="3835106"/>
           </a:xfrm>
           <a:prstGeom prst="rect">
             <a:avLst/>
           </a:prstGeom>
         </p:spPr>
       </p:pic>
+      <p:sp>
+        <p:nvSpPr>
+          <p:cNvPr id="8" name="TextBox 7">
+            <a:extLst>
+              <a:ext uri="{FF2B5EF4-FFF2-40B4-BE49-F238E27FC236}">
+                <a16:creationId xmlns:a16="http://schemas.microsoft.com/office/drawing/2014/main" id="{BB486030-E08F-4545-B90A-0781FA1E38B8}"/>
+              </a:ext>
+            </a:extLst>
+          </p:cNvPr>
+          <p:cNvSpPr txBox="1"/>
+          <p:nvPr/>
+        </p:nvSpPr>
+        <p:spPr>
+          <a:xfrm>
+            <a:off x="-13626" y="2412272"/>
+            <a:ext cx="5976664" cy="230832"/>
+          </a:xfrm>
+          <a:prstGeom prst="rect">
+            <a:avLst/>
+          </a:prstGeom>
+          <a:noFill/>
+        </p:spPr>
+        <p:txBody>
+          <a:bodyPr wrap="square" rtlCol="0">
+            <a:spAutoFit/>
+          </a:bodyPr>
+          <a:lstStyle/>
+          <a:p>
+            <a:r>
+              <a:rPr lang="en-GB" sz="900" dirty="0"/>
+              <a:t>Source: https://r-spatial.github.io/sf/articles/sf1.html</a:t>
+            </a:r>
+          </a:p>
+        </p:txBody>
+      </p:sp>
+      <p:sp>
+        <p:nvSpPr>
+          <p:cNvPr id="9" name="TextBox 8">
+            <a:extLst>
+              <a:ext uri="{FF2B5EF4-FFF2-40B4-BE49-F238E27FC236}">
+                <a16:creationId xmlns:a16="http://schemas.microsoft.com/office/drawing/2014/main" id="{27576C85-5FAE-435E-9035-EF11924D0131}"/>
+              </a:ext>
+            </a:extLst>
+          </p:cNvPr>
+          <p:cNvSpPr txBox="1"/>
+          <p:nvPr/>
+        </p:nvSpPr>
+        <p:spPr>
+          <a:xfrm>
+            <a:off x="251520" y="1301940"/>
+            <a:ext cx="6264696" cy="646331"/>
+          </a:xfrm>
+          <a:prstGeom prst="rect">
+            <a:avLst/>
+          </a:prstGeom>
+          <a:noFill/>
+        </p:spPr>
+        <p:txBody>
+          <a:bodyPr wrap="square" rtlCol="0">
+            <a:spAutoFit/>
+          </a:bodyPr>
+          <a:lstStyle/>
+          <a:p>
+            <a:r>
+              <a:rPr lang="en-GB" b="1" dirty="0"/>
+              <a:t>Simple Features are a set of OGC standards how spatial (vector) data is to be stored  </a:t>
+            </a:r>
+          </a:p>
+        </p:txBody>
+      </p:sp>
     </p:spTree>
     <p:extLst>
       <p:ext uri="{BB962C8B-B14F-4D97-AF65-F5344CB8AC3E}">
-        <p14:creationId xmlns:p14="http://schemas.microsoft.com/office/powerpoint/2010/main" val="2437321677"/>
+        <p14:creationId xmlns:p14="http://schemas.microsoft.com/office/powerpoint/2010/main" val="415494798"/>
       </p:ext>
     </p:extLst>
   </p:cSld>
@@ -7597,10 +7780,10 @@
       </p:grpSpPr>
       <p:sp>
         <p:nvSpPr>
-          <p:cNvPr id="4" name="Title 3">
+          <p:cNvPr id="2" name="Title 1">
             <a:extLst>
               <a:ext uri="{FF2B5EF4-FFF2-40B4-BE49-F238E27FC236}">
-                <a16:creationId xmlns:a16="http://schemas.microsoft.com/office/drawing/2014/main" id="{955A2F22-A127-4BD4-B873-8AAE5301C62A}"/>
+                <a16:creationId xmlns:a16="http://schemas.microsoft.com/office/drawing/2014/main" id="{020CDFDB-460D-41D5-B49A-21AA3FE665E9}"/>
               </a:ext>
             </a:extLst>
           </p:cNvPr>
@@ -7611,34 +7794,622 @@
             <p:ph type="title"/>
           </p:nvPr>
         </p:nvSpPr>
-        <p:spPr>
-          <a:xfrm>
-            <a:off x="827584" y="2636912"/>
-            <a:ext cx="7997825" cy="1143000"/>
-          </a:xfrm>
-        </p:spPr>
+        <p:spPr/>
         <p:txBody>
           <a:bodyPr/>
           <a:lstStyle/>
           <a:p>
-            <a:r>
-              <a:rPr lang="en-GB" dirty="0"/>
-              <a:t>Thank you for your attention.</a:t>
-            </a:r>
-            <a:br>
-              <a:rPr lang="en-GB" dirty="0"/>
-            </a:br>
-            <a:r>
-              <a:rPr lang="en-GB" dirty="0"/>
-              <a:t>Any questions?</a:t>
-            </a:r>
+            <a:endParaRPr lang="en-GB"/>
+          </a:p>
+        </p:txBody>
+      </p:sp>
+      <p:sp>
+        <p:nvSpPr>
+          <p:cNvPr id="3" name="Content Placeholder 2">
+            <a:extLst>
+              <a:ext uri="{FF2B5EF4-FFF2-40B4-BE49-F238E27FC236}">
+                <a16:creationId xmlns:a16="http://schemas.microsoft.com/office/drawing/2014/main" id="{1F392759-C363-499A-B892-B8CE642D08F5}"/>
+              </a:ext>
+            </a:extLst>
+          </p:cNvPr>
+          <p:cNvSpPr>
+            <a:spLocks noGrp="1"/>
+          </p:cNvSpPr>
+          <p:nvPr>
+            <p:ph idx="1"/>
+          </p:nvPr>
+        </p:nvSpPr>
+        <p:spPr/>
+        <p:txBody>
+          <a:bodyPr/>
+          <a:lstStyle/>
+          <a:p>
+            <a:endParaRPr lang="en-GB"/>
           </a:p>
         </p:txBody>
       </p:sp>
     </p:spTree>
     <p:extLst>
       <p:ext uri="{BB962C8B-B14F-4D97-AF65-F5344CB8AC3E}">
-        <p14:creationId xmlns:p14="http://schemas.microsoft.com/office/powerpoint/2010/main" val="1633498893"/>
+        <p14:creationId xmlns:p14="http://schemas.microsoft.com/office/powerpoint/2010/main" val="887465285"/>
+      </p:ext>
+    </p:extLst>
+  </p:cSld>
+  <p:clrMapOvr>
+    <a:masterClrMapping/>
+  </p:clrMapOvr>
+</p:sld>
+</file>
+
+<file path=ppt/slides/slide19.xml><?xml version="1.0" encoding="utf-8"?>
+<p:sld xmlns:a="http://schemas.openxmlformats.org/drawingml/2006/main" xmlns:r="http://schemas.openxmlformats.org/officeDocument/2006/relationships" xmlns:p="http://schemas.openxmlformats.org/presentationml/2006/main">
+  <p:cSld>
+    <p:spTree>
+      <p:nvGrpSpPr>
+        <p:cNvPr id="1" name=""/>
+        <p:cNvGrpSpPr/>
+        <p:nvPr/>
+      </p:nvGrpSpPr>
+      <p:grpSpPr>
+        <a:xfrm>
+          <a:off x="0" y="0"/>
+          <a:ext cx="0" cy="0"/>
+          <a:chOff x="0" y="0"/>
+          <a:chExt cx="0" cy="0"/>
+        </a:xfrm>
+      </p:grpSpPr>
+      <p:sp>
+        <p:nvSpPr>
+          <p:cNvPr id="2" name="Title 1">
+            <a:extLst>
+              <a:ext uri="{FF2B5EF4-FFF2-40B4-BE49-F238E27FC236}">
+                <a16:creationId xmlns:a16="http://schemas.microsoft.com/office/drawing/2014/main" id="{6618C422-111F-4C7D-A946-E72D26D4747E}"/>
+              </a:ext>
+            </a:extLst>
+          </p:cNvPr>
+          <p:cNvSpPr>
+            <a:spLocks noGrp="1"/>
+          </p:cNvSpPr>
+          <p:nvPr>
+            <p:ph type="title"/>
+          </p:nvPr>
+        </p:nvSpPr>
+        <p:spPr/>
+        <p:txBody>
+          <a:bodyPr/>
+          <a:lstStyle/>
+          <a:p>
+            <a:r>
+              <a:rPr lang="en-GB" dirty="0"/>
+              <a:t>Common spatial tasks I do in R</a:t>
+            </a:r>
+          </a:p>
+        </p:txBody>
+      </p:sp>
+      <p:sp>
+        <p:nvSpPr>
+          <p:cNvPr id="3" name="Content Placeholder 2">
+            <a:extLst>
+              <a:ext uri="{FF2B5EF4-FFF2-40B4-BE49-F238E27FC236}">
+                <a16:creationId xmlns:a16="http://schemas.microsoft.com/office/drawing/2014/main" id="{DA05116E-CD75-44A4-B8F8-272A68210CAF}"/>
+              </a:ext>
+            </a:extLst>
+          </p:cNvPr>
+          <p:cNvSpPr>
+            <a:spLocks noGrp="1"/>
+          </p:cNvSpPr>
+          <p:nvPr>
+            <p:ph idx="1"/>
+          </p:nvPr>
+        </p:nvSpPr>
+        <p:spPr/>
+        <p:txBody>
+          <a:bodyPr/>
+          <a:lstStyle/>
+          <a:p>
+            <a:pPr marL="0" indent="0">
+              <a:buNone/>
+            </a:pPr>
+            <a:r>
+              <a:rPr lang="en-GB" dirty="0"/>
+              <a:t>Aligning raster input data</a:t>
+            </a:r>
+          </a:p>
+          <a:p>
+            <a:pPr marL="0" indent="0">
+              <a:buNone/>
+            </a:pPr>
+            <a:endParaRPr lang="en-GB" dirty="0"/>
+          </a:p>
+          <a:p>
+            <a:pPr marL="0" indent="0">
+              <a:buNone/>
+            </a:pPr>
+            <a:endParaRPr lang="en-GB" dirty="0"/>
+          </a:p>
+          <a:p>
+            <a:pPr marL="0" indent="0">
+              <a:buNone/>
+            </a:pPr>
+            <a:r>
+              <a:rPr lang="en-GB" dirty="0"/>
+              <a:t>Extracting zonal statistics</a:t>
+            </a:r>
+          </a:p>
+          <a:p>
+            <a:pPr marL="0" indent="0">
+              <a:buNone/>
+            </a:pPr>
+            <a:endParaRPr lang="en-GB" dirty="0"/>
+          </a:p>
+          <a:p>
+            <a:pPr marL="0" indent="0">
+              <a:buNone/>
+            </a:pPr>
+            <a:endParaRPr lang="en-GB" dirty="0"/>
+          </a:p>
+          <a:p>
+            <a:pPr marL="0" indent="0">
+              <a:buNone/>
+            </a:pPr>
+            <a:r>
+              <a:rPr lang="en-GB" dirty="0"/>
+              <a:t>Joining spatial and non-spatial </a:t>
+            </a:r>
+          </a:p>
+          <a:p>
+            <a:pPr marL="0" indent="0">
+              <a:buNone/>
+            </a:pPr>
+            <a:r>
+              <a:rPr lang="en-GB" dirty="0"/>
+              <a:t>data</a:t>
+            </a:r>
+          </a:p>
+        </p:txBody>
+      </p:sp>
+      <p:sp>
+        <p:nvSpPr>
+          <p:cNvPr id="5" name="Rectangle 4">
+            <a:extLst>
+              <a:ext uri="{FF2B5EF4-FFF2-40B4-BE49-F238E27FC236}">
+                <a16:creationId xmlns:a16="http://schemas.microsoft.com/office/drawing/2014/main" id="{A1B023F7-FC93-4181-A884-14F37F7674E0}"/>
+              </a:ext>
+            </a:extLst>
+          </p:cNvPr>
+          <p:cNvSpPr/>
+          <p:nvPr/>
+        </p:nvSpPr>
+        <p:spPr>
+          <a:xfrm>
+            <a:off x="6696236" y="1700808"/>
+            <a:ext cx="1296144" cy="936104"/>
+          </a:xfrm>
+          <a:prstGeom prst="rect">
+            <a:avLst/>
+          </a:prstGeom>
+        </p:spPr>
+        <p:style>
+          <a:lnRef idx="2">
+            <a:schemeClr val="accent2">
+              <a:shade val="50000"/>
+            </a:schemeClr>
+          </a:lnRef>
+          <a:fillRef idx="1">
+            <a:schemeClr val="accent2"/>
+          </a:fillRef>
+          <a:effectRef idx="0">
+            <a:schemeClr val="accent2"/>
+          </a:effectRef>
+          <a:fontRef idx="minor">
+            <a:schemeClr val="lt1"/>
+          </a:fontRef>
+        </p:style>
+        <p:txBody>
+          <a:bodyPr rtlCol="0" anchor="ctr"/>
+          <a:lstStyle/>
+          <a:p>
+            <a:pPr algn="ctr"/>
+            <a:endParaRPr lang="en-GB"/>
+          </a:p>
+        </p:txBody>
+      </p:sp>
+      <p:sp>
+        <p:nvSpPr>
+          <p:cNvPr id="7" name="Rectangle 6">
+            <a:extLst>
+              <a:ext uri="{FF2B5EF4-FFF2-40B4-BE49-F238E27FC236}">
+                <a16:creationId xmlns:a16="http://schemas.microsoft.com/office/drawing/2014/main" id="{0AD17C9E-3DF3-48A7-B6CD-CBCB4BB68BF5}"/>
+              </a:ext>
+            </a:extLst>
+          </p:cNvPr>
+          <p:cNvSpPr/>
+          <p:nvPr/>
+        </p:nvSpPr>
+        <p:spPr>
+          <a:xfrm>
+            <a:off x="7095071" y="1598613"/>
+            <a:ext cx="1296144" cy="936104"/>
+          </a:xfrm>
+          <a:prstGeom prst="rect">
+            <a:avLst/>
+          </a:prstGeom>
+        </p:spPr>
+        <p:style>
+          <a:lnRef idx="2">
+            <a:schemeClr val="accent1">
+              <a:shade val="50000"/>
+            </a:schemeClr>
+          </a:lnRef>
+          <a:fillRef idx="1">
+            <a:schemeClr val="accent1"/>
+          </a:fillRef>
+          <a:effectRef idx="0">
+            <a:schemeClr val="accent1"/>
+          </a:effectRef>
+          <a:fontRef idx="minor">
+            <a:schemeClr val="lt1"/>
+          </a:fontRef>
+        </p:style>
+        <p:txBody>
+          <a:bodyPr rtlCol="0" anchor="ctr"/>
+          <a:lstStyle/>
+          <a:p>
+            <a:pPr algn="ctr"/>
+            <a:endParaRPr lang="en-GB"/>
+          </a:p>
+        </p:txBody>
+      </p:sp>
+      <p:cxnSp>
+        <p:nvCxnSpPr>
+          <p:cNvPr id="9" name="Straight Arrow Connector 8">
+            <a:extLst>
+              <a:ext uri="{FF2B5EF4-FFF2-40B4-BE49-F238E27FC236}">
+                <a16:creationId xmlns:a16="http://schemas.microsoft.com/office/drawing/2014/main" id="{8CBAD3EA-D36E-40CC-A480-51BFCC7C0327}"/>
+              </a:ext>
+            </a:extLst>
+          </p:cNvPr>
+          <p:cNvCxnSpPr/>
+          <p:nvPr/>
+        </p:nvCxnSpPr>
+        <p:spPr>
+          <a:xfrm>
+            <a:off x="6840252" y="1484784"/>
+            <a:ext cx="504056" cy="0"/>
+          </a:xfrm>
+          <a:prstGeom prst="straightConnector1">
+            <a:avLst/>
+          </a:prstGeom>
+          <a:ln>
+            <a:headEnd type="triangle"/>
+            <a:tailEnd type="triangle"/>
+          </a:ln>
+        </p:spPr>
+        <p:style>
+          <a:lnRef idx="1">
+            <a:schemeClr val="dk1"/>
+          </a:lnRef>
+          <a:fillRef idx="0">
+            <a:schemeClr val="dk1"/>
+          </a:fillRef>
+          <a:effectRef idx="0">
+            <a:schemeClr val="dk1"/>
+          </a:effectRef>
+          <a:fontRef idx="minor">
+            <a:schemeClr val="tx1"/>
+          </a:fontRef>
+        </p:style>
+      </p:cxnSp>
+      <p:sp>
+        <p:nvSpPr>
+          <p:cNvPr id="10" name="Rectangle 9">
+            <a:extLst>
+              <a:ext uri="{FF2B5EF4-FFF2-40B4-BE49-F238E27FC236}">
+                <a16:creationId xmlns:a16="http://schemas.microsoft.com/office/drawing/2014/main" id="{56A939C0-9AB2-4EEF-B8E7-73E17EAFEE30}"/>
+              </a:ext>
+            </a:extLst>
+          </p:cNvPr>
+          <p:cNvSpPr/>
+          <p:nvPr/>
+        </p:nvSpPr>
+        <p:spPr>
+          <a:xfrm>
+            <a:off x="6696236" y="3356992"/>
+            <a:ext cx="1296144" cy="864097"/>
+          </a:xfrm>
+          <a:prstGeom prst="rect">
+            <a:avLst/>
+          </a:prstGeom>
+        </p:spPr>
+        <p:style>
+          <a:lnRef idx="2">
+            <a:schemeClr val="accent1">
+              <a:shade val="50000"/>
+            </a:schemeClr>
+          </a:lnRef>
+          <a:fillRef idx="1">
+            <a:schemeClr val="accent1"/>
+          </a:fillRef>
+          <a:effectRef idx="0">
+            <a:schemeClr val="accent1"/>
+          </a:effectRef>
+          <a:fontRef idx="minor">
+            <a:schemeClr val="lt1"/>
+          </a:fontRef>
+        </p:style>
+        <p:txBody>
+          <a:bodyPr rtlCol="0" anchor="ctr"/>
+          <a:lstStyle/>
+          <a:p>
+            <a:pPr algn="ctr"/>
+            <a:endParaRPr lang="en-GB"/>
+          </a:p>
+        </p:txBody>
+      </p:sp>
+      <p:sp>
+        <p:nvSpPr>
+          <p:cNvPr id="11" name="Oval 10">
+            <a:extLst>
+              <a:ext uri="{FF2B5EF4-FFF2-40B4-BE49-F238E27FC236}">
+                <a16:creationId xmlns:a16="http://schemas.microsoft.com/office/drawing/2014/main" id="{938A909D-29F7-4CD4-AF97-A385E2D2732B}"/>
+              </a:ext>
+            </a:extLst>
+          </p:cNvPr>
+          <p:cNvSpPr/>
+          <p:nvPr/>
+        </p:nvSpPr>
+        <p:spPr>
+          <a:xfrm>
+            <a:off x="7277882" y="3575149"/>
+            <a:ext cx="465261" cy="288032"/>
+          </a:xfrm>
+          <a:prstGeom prst="ellipse">
+            <a:avLst/>
+          </a:prstGeom>
+        </p:spPr>
+        <p:style>
+          <a:lnRef idx="2">
+            <a:schemeClr val="dk1">
+              <a:shade val="50000"/>
+            </a:schemeClr>
+          </a:lnRef>
+          <a:fillRef idx="1">
+            <a:schemeClr val="dk1"/>
+          </a:fillRef>
+          <a:effectRef idx="0">
+            <a:schemeClr val="dk1"/>
+          </a:effectRef>
+          <a:fontRef idx="minor">
+            <a:schemeClr val="lt1"/>
+          </a:fontRef>
+        </p:style>
+        <p:txBody>
+          <a:bodyPr rtlCol="0" anchor="ctr"/>
+          <a:lstStyle/>
+          <a:p>
+            <a:pPr algn="ctr"/>
+            <a:endParaRPr lang="en-GB"/>
+          </a:p>
+        </p:txBody>
+      </p:sp>
+      <p:sp>
+        <p:nvSpPr>
+          <p:cNvPr id="14" name="Rectangle 13">
+            <a:extLst>
+              <a:ext uri="{FF2B5EF4-FFF2-40B4-BE49-F238E27FC236}">
+                <a16:creationId xmlns:a16="http://schemas.microsoft.com/office/drawing/2014/main" id="{8339A26E-C11C-444D-AE9D-638DB9A53E3F}"/>
+              </a:ext>
+            </a:extLst>
+          </p:cNvPr>
+          <p:cNvSpPr/>
+          <p:nvPr/>
+        </p:nvSpPr>
+        <p:spPr>
+          <a:xfrm>
+            <a:off x="6663025" y="4865097"/>
+            <a:ext cx="1144407" cy="1038814"/>
+          </a:xfrm>
+          <a:prstGeom prst="rect">
+            <a:avLst/>
+          </a:prstGeom>
+        </p:spPr>
+        <p:style>
+          <a:lnRef idx="2">
+            <a:schemeClr val="accent1">
+              <a:shade val="50000"/>
+            </a:schemeClr>
+          </a:lnRef>
+          <a:fillRef idx="1">
+            <a:schemeClr val="accent1"/>
+          </a:fillRef>
+          <a:effectRef idx="0">
+            <a:schemeClr val="accent1"/>
+          </a:effectRef>
+          <a:fontRef idx="minor">
+            <a:schemeClr val="lt1"/>
+          </a:fontRef>
+        </p:style>
+        <p:txBody>
+          <a:bodyPr rtlCol="0" anchor="ctr"/>
+          <a:lstStyle/>
+          <a:p>
+            <a:pPr algn="ctr"/>
+            <a:endParaRPr lang="en-GB"/>
+          </a:p>
+        </p:txBody>
+      </p:sp>
+      <p:graphicFrame>
+        <p:nvGraphicFramePr>
+          <p:cNvPr id="15" name="Table 15">
+            <a:extLst>
+              <a:ext uri="{FF2B5EF4-FFF2-40B4-BE49-F238E27FC236}">
+                <a16:creationId xmlns:a16="http://schemas.microsoft.com/office/drawing/2014/main" id="{F0B07FE8-0E20-4E7F-AD1D-B3C9F38CB0A5}"/>
+              </a:ext>
+            </a:extLst>
+          </p:cNvPr>
+          <p:cNvGraphicFramePr>
+            <a:graphicFrameLocks noGrp="1"/>
+          </p:cNvGraphicFramePr>
+          <p:nvPr>
+            <p:extLst>
+              <p:ext uri="{D42A27DB-BD31-4B8C-83A1-F6EECF244321}">
+                <p14:modId xmlns:p14="http://schemas.microsoft.com/office/powerpoint/2010/main" val="3780120957"/>
+              </p:ext>
+            </p:extLst>
+          </p:nvPr>
+        </p:nvGraphicFramePr>
+        <p:xfrm>
+          <a:off x="7080202" y="4608552"/>
+          <a:ext cx="910612" cy="1097280"/>
+        </p:xfrm>
+        <a:graphic>
+          <a:graphicData uri="http://schemas.openxmlformats.org/drawingml/2006/table">
+            <a:tbl>
+              <a:tblPr firstRow="1" bandRow="1">
+                <a:tableStyleId>{D7AC3CCA-C797-4891-BE02-D94E43425B78}</a:tableStyleId>
+              </a:tblPr>
+              <a:tblGrid>
+                <a:gridCol w="298725">
+                  <a:extLst>
+                    <a:ext uri="{9D8B030D-6E8A-4147-A177-3AD203B41FA5}">
+                      <a16:colId xmlns:a16="http://schemas.microsoft.com/office/drawing/2014/main" val="2564555156"/>
+                    </a:ext>
+                  </a:extLst>
+                </a:gridCol>
+                <a:gridCol w="272803">
+                  <a:extLst>
+                    <a:ext uri="{9D8B030D-6E8A-4147-A177-3AD203B41FA5}">
+                      <a16:colId xmlns:a16="http://schemas.microsoft.com/office/drawing/2014/main" val="3679525217"/>
+                    </a:ext>
+                  </a:extLst>
+                </a:gridCol>
+                <a:gridCol w="339084">
+                  <a:extLst>
+                    <a:ext uri="{9D8B030D-6E8A-4147-A177-3AD203B41FA5}">
+                      <a16:colId xmlns:a16="http://schemas.microsoft.com/office/drawing/2014/main" val="2641657404"/>
+                    </a:ext>
+                  </a:extLst>
+                </a:gridCol>
+              </a:tblGrid>
+              <a:tr h="216024">
+                <a:tc>
+                  <a:txBody>
+                    <a:bodyPr/>
+                    <a:lstStyle/>
+                    <a:p>
+                      <a:endParaRPr lang="en-GB"/>
+                    </a:p>
+                  </a:txBody>
+                  <a:tcPr/>
+                </a:tc>
+                <a:tc>
+                  <a:txBody>
+                    <a:bodyPr/>
+                    <a:lstStyle/>
+                    <a:p>
+                      <a:endParaRPr lang="en-GB"/>
+                    </a:p>
+                  </a:txBody>
+                  <a:tcPr/>
+                </a:tc>
+                <a:tc>
+                  <a:txBody>
+                    <a:bodyPr/>
+                    <a:lstStyle/>
+                    <a:p>
+                      <a:endParaRPr lang="en-GB" dirty="0"/>
+                    </a:p>
+                  </a:txBody>
+                  <a:tcPr/>
+                </a:tc>
+                <a:extLst>
+                  <a:ext uri="{0D108BD9-81ED-4DB2-BD59-A6C34878D82A}">
+                    <a16:rowId xmlns:a16="http://schemas.microsoft.com/office/drawing/2014/main" val="997436887"/>
+                  </a:ext>
+                </a:extLst>
+              </a:tr>
+              <a:tr h="216024">
+                <a:tc>
+                  <a:txBody>
+                    <a:bodyPr/>
+                    <a:lstStyle/>
+                    <a:p>
+                      <a:endParaRPr lang="en-GB"/>
+                    </a:p>
+                  </a:txBody>
+                  <a:tcPr/>
+                </a:tc>
+                <a:tc>
+                  <a:txBody>
+                    <a:bodyPr/>
+                    <a:lstStyle/>
+                    <a:p>
+                      <a:endParaRPr lang="en-GB"/>
+                    </a:p>
+                  </a:txBody>
+                  <a:tcPr/>
+                </a:tc>
+                <a:tc>
+                  <a:txBody>
+                    <a:bodyPr/>
+                    <a:lstStyle/>
+                    <a:p>
+                      <a:endParaRPr lang="en-GB"/>
+                    </a:p>
+                  </a:txBody>
+                  <a:tcPr/>
+                </a:tc>
+                <a:extLst>
+                  <a:ext uri="{0D108BD9-81ED-4DB2-BD59-A6C34878D82A}">
+                    <a16:rowId xmlns:a16="http://schemas.microsoft.com/office/drawing/2014/main" val="2412403685"/>
+                  </a:ext>
+                </a:extLst>
+              </a:tr>
+              <a:tr h="216024">
+                <a:tc>
+                  <a:txBody>
+                    <a:bodyPr/>
+                    <a:lstStyle/>
+                    <a:p>
+                      <a:endParaRPr lang="en-GB" dirty="0"/>
+                    </a:p>
+                  </a:txBody>
+                  <a:tcPr/>
+                </a:tc>
+                <a:tc>
+                  <a:txBody>
+                    <a:bodyPr/>
+                    <a:lstStyle/>
+                    <a:p>
+                      <a:endParaRPr lang="en-GB" dirty="0"/>
+                    </a:p>
+                  </a:txBody>
+                  <a:tcPr/>
+                </a:tc>
+                <a:tc>
+                  <a:txBody>
+                    <a:bodyPr/>
+                    <a:lstStyle/>
+                    <a:p>
+                      <a:endParaRPr lang="en-GB" dirty="0"/>
+                    </a:p>
+                  </a:txBody>
+                  <a:tcPr/>
+                </a:tc>
+                <a:extLst>
+                  <a:ext uri="{0D108BD9-81ED-4DB2-BD59-A6C34878D82A}">
+                    <a16:rowId xmlns:a16="http://schemas.microsoft.com/office/drawing/2014/main" val="2271684600"/>
+                  </a:ext>
+                </a:extLst>
+              </a:tr>
+            </a:tbl>
+          </a:graphicData>
+        </a:graphic>
+      </p:graphicFrame>
+    </p:spTree>
+    <p:extLst>
+      <p:ext uri="{BB962C8B-B14F-4D97-AF65-F5344CB8AC3E}">
+        <p14:creationId xmlns:p14="http://schemas.microsoft.com/office/powerpoint/2010/main" val="314798160"/>
       </p:ext>
     </p:extLst>
   </p:cSld>
@@ -7719,7 +8490,7 @@
             </a:pPr>
             <a:r>
               <a:rPr lang="en-GB" dirty="0"/>
-              <a:t>Introduction seminar</a:t>
+              <a:t>Introduction talk</a:t>
             </a:r>
           </a:p>
           <a:p>
@@ -7760,7 +8531,7 @@
             </a:pPr>
             <a:r>
               <a:rPr lang="en-GB" dirty="0"/>
-              <a:t>(online self paced)</a:t>
+              <a:t>(online self paced, link at end of slides)</a:t>
             </a:r>
           </a:p>
           <a:p>
@@ -7784,6 +8555,516 @@
     <p:extLst>
       <p:ext uri="{BB962C8B-B14F-4D97-AF65-F5344CB8AC3E}">
         <p14:creationId xmlns:p14="http://schemas.microsoft.com/office/powerpoint/2010/main" val="3484799714"/>
+      </p:ext>
+    </p:extLst>
+  </p:cSld>
+  <p:clrMapOvr>
+    <a:masterClrMapping/>
+  </p:clrMapOvr>
+</p:sld>
+</file>
+
+<file path=ppt/slides/slide20.xml><?xml version="1.0" encoding="utf-8"?>
+<p:sld xmlns:a="http://schemas.openxmlformats.org/drawingml/2006/main" xmlns:r="http://schemas.openxmlformats.org/officeDocument/2006/relationships" xmlns:p="http://schemas.openxmlformats.org/presentationml/2006/main">
+  <p:cSld>
+    <p:spTree>
+      <p:nvGrpSpPr>
+        <p:cNvPr id="1" name=""/>
+        <p:cNvGrpSpPr/>
+        <p:nvPr/>
+      </p:nvGrpSpPr>
+      <p:grpSpPr>
+        <a:xfrm>
+          <a:off x="0" y="0"/>
+          <a:ext cx="0" cy="0"/>
+          <a:chOff x="0" y="0"/>
+          <a:chExt cx="0" cy="0"/>
+        </a:xfrm>
+      </p:grpSpPr>
+      <p:sp>
+        <p:nvSpPr>
+          <p:cNvPr id="2" name="Title 1">
+            <a:extLst>
+              <a:ext uri="{FF2B5EF4-FFF2-40B4-BE49-F238E27FC236}">
+                <a16:creationId xmlns:a16="http://schemas.microsoft.com/office/drawing/2014/main" id="{590D6037-D659-40C6-80BA-8BF2B4148551}"/>
+              </a:ext>
+            </a:extLst>
+          </p:cNvPr>
+          <p:cNvSpPr>
+            <a:spLocks noGrp="1"/>
+          </p:cNvSpPr>
+          <p:nvPr>
+            <p:ph type="title"/>
+          </p:nvPr>
+        </p:nvSpPr>
+        <p:spPr/>
+        <p:txBody>
+          <a:bodyPr/>
+          <a:lstStyle/>
+          <a:p>
+            <a:r>
+              <a:rPr lang="en-GB" dirty="0"/>
+              <a:t>What to do if things don’t work</a:t>
+            </a:r>
+          </a:p>
+        </p:txBody>
+      </p:sp>
+      <p:sp>
+        <p:nvSpPr>
+          <p:cNvPr id="3" name="Content Placeholder 2">
+            <a:extLst>
+              <a:ext uri="{FF2B5EF4-FFF2-40B4-BE49-F238E27FC236}">
+                <a16:creationId xmlns:a16="http://schemas.microsoft.com/office/drawing/2014/main" id="{730100DA-A3A8-4C2D-B923-63F381B9DE01}"/>
+              </a:ext>
+            </a:extLst>
+          </p:cNvPr>
+          <p:cNvSpPr>
+            <a:spLocks noGrp="1"/>
+          </p:cNvSpPr>
+          <p:nvPr>
+            <p:ph idx="1"/>
+          </p:nvPr>
+        </p:nvSpPr>
+        <p:spPr/>
+        <p:txBody>
+          <a:bodyPr/>
+          <a:lstStyle/>
+          <a:p>
+            <a:pPr marL="0" indent="0">
+              <a:buNone/>
+            </a:pPr>
+            <a:r>
+              <a:rPr lang="en-GB" b="1" dirty="0"/>
+              <a:t>Too slow</a:t>
+            </a:r>
+          </a:p>
+          <a:p>
+            <a:pPr marL="0" indent="0">
+              <a:buNone/>
+            </a:pPr>
+            <a:r>
+              <a:rPr lang="en-GB" dirty="0">
+                <a:sym typeface="Wingdings" panose="05000000000000000000" pitchFamily="2" charset="2"/>
+              </a:rPr>
+              <a:t> Check memory requirements, consider tiling</a:t>
+            </a:r>
+            <a:endParaRPr lang="en-GB" dirty="0"/>
+          </a:p>
+          <a:p>
+            <a:pPr marL="0" indent="0">
+              <a:buNone/>
+            </a:pPr>
+            <a:r>
+              <a:rPr lang="en-GB" b="1" dirty="0"/>
+              <a:t>No Function</a:t>
+            </a:r>
+          </a:p>
+          <a:p>
+            <a:pPr marL="0" indent="0">
+              <a:buNone/>
+            </a:pPr>
+            <a:r>
+              <a:rPr lang="en-GB" dirty="0">
+                <a:sym typeface="Wingdings" panose="05000000000000000000" pitchFamily="2" charset="2"/>
+              </a:rPr>
+              <a:t> Check external tools. Is there a wrapper?</a:t>
+            </a:r>
+            <a:endParaRPr lang="en-GB" dirty="0"/>
+          </a:p>
+          <a:p>
+            <a:pPr marL="0" indent="0">
+              <a:buNone/>
+            </a:pPr>
+            <a:r>
+              <a:rPr lang="en-GB" b="1" dirty="0"/>
+              <a:t>Visualization</a:t>
+            </a:r>
+          </a:p>
+          <a:p>
+            <a:pPr marL="0" indent="0">
+              <a:buNone/>
+            </a:pPr>
+            <a:r>
+              <a:rPr lang="en-GB" dirty="0">
+                <a:sym typeface="Wingdings" panose="05000000000000000000" pitchFamily="2" charset="2"/>
+              </a:rPr>
+              <a:t> Use QGIS for quick queries</a:t>
+            </a:r>
+            <a:endParaRPr lang="en-GB" dirty="0"/>
+          </a:p>
+        </p:txBody>
+      </p:sp>
+      <p:pic>
+        <p:nvPicPr>
+          <p:cNvPr id="1026" name="Picture 2" descr="Google is your friend - Spongebob rainbow - quickmeme">
+            <a:extLst>
+              <a:ext uri="{FF2B5EF4-FFF2-40B4-BE49-F238E27FC236}">
+                <a16:creationId xmlns:a16="http://schemas.microsoft.com/office/drawing/2014/main" id="{107F4008-304B-4B01-B30E-086E143CCA56}"/>
+              </a:ext>
+            </a:extLst>
+          </p:cNvPr>
+          <p:cNvPicPr>
+            <a:picLocks noChangeAspect="1" noChangeArrowheads="1"/>
+          </p:cNvPicPr>
+          <p:nvPr/>
+        </p:nvPicPr>
+        <p:blipFill>
+          <a:blip r:embed="rId2">
+            <a:extLst>
+              <a:ext uri="{28A0092B-C50C-407E-A947-70E740481C1C}">
+                <a14:useLocalDpi xmlns:a14="http://schemas.microsoft.com/office/drawing/2010/main" val="0"/>
+              </a:ext>
+            </a:extLst>
+          </a:blip>
+          <a:srcRect/>
+          <a:stretch>
+            <a:fillRect/>
+          </a:stretch>
+        </p:blipFill>
+        <p:spPr bwMode="auto">
+          <a:xfrm>
+            <a:off x="7092280" y="5183891"/>
+            <a:ext cx="2051720" cy="1694538"/>
+          </a:xfrm>
+          <a:prstGeom prst="rect">
+            <a:avLst/>
+          </a:prstGeom>
+          <a:noFill/>
+          <a:extLst>
+            <a:ext uri="{909E8E84-426E-40DD-AFC4-6F175D3DCCD1}">
+              <a14:hiddenFill xmlns:a14="http://schemas.microsoft.com/office/drawing/2010/main">
+                <a:solidFill>
+                  <a:srgbClr val="FFFFFF"/>
+                </a:solidFill>
+              </a14:hiddenFill>
+            </a:ext>
+          </a:extLst>
+        </p:spPr>
+      </p:pic>
+    </p:spTree>
+    <p:extLst>
+      <p:ext uri="{BB962C8B-B14F-4D97-AF65-F5344CB8AC3E}">
+        <p14:creationId xmlns:p14="http://schemas.microsoft.com/office/powerpoint/2010/main" val="1690149270"/>
+      </p:ext>
+    </p:extLst>
+  </p:cSld>
+  <p:clrMapOvr>
+    <a:masterClrMapping/>
+  </p:clrMapOvr>
+</p:sld>
+</file>
+
+<file path=ppt/slides/slide21.xml><?xml version="1.0" encoding="utf-8"?>
+<p:sld xmlns:a="http://schemas.openxmlformats.org/drawingml/2006/main" xmlns:r="http://schemas.openxmlformats.org/officeDocument/2006/relationships" xmlns:p="http://schemas.openxmlformats.org/presentationml/2006/main">
+  <p:cSld>
+    <p:spTree>
+      <p:nvGrpSpPr>
+        <p:cNvPr id="1" name=""/>
+        <p:cNvGrpSpPr/>
+        <p:nvPr/>
+      </p:nvGrpSpPr>
+      <p:grpSpPr>
+        <a:xfrm>
+          <a:off x="0" y="0"/>
+          <a:ext cx="0" cy="0"/>
+          <a:chOff x="0" y="0"/>
+          <a:chExt cx="0" cy="0"/>
+        </a:xfrm>
+      </p:grpSpPr>
+      <p:sp>
+        <p:nvSpPr>
+          <p:cNvPr id="2" name="Title 1">
+            <a:extLst>
+              <a:ext uri="{FF2B5EF4-FFF2-40B4-BE49-F238E27FC236}">
+                <a16:creationId xmlns:a16="http://schemas.microsoft.com/office/drawing/2014/main" id="{DD1DDF48-7EC0-4DAA-AA02-96BAA2876066}"/>
+              </a:ext>
+            </a:extLst>
+          </p:cNvPr>
+          <p:cNvSpPr>
+            <a:spLocks noGrp="1"/>
+          </p:cNvSpPr>
+          <p:nvPr>
+            <p:ph type="title"/>
+          </p:nvPr>
+        </p:nvSpPr>
+        <p:spPr/>
+        <p:txBody>
+          <a:bodyPr/>
+          <a:lstStyle/>
+          <a:p>
+            <a:r>
+              <a:rPr lang="en-GB" dirty="0"/>
+              <a:t>Free online books and materials</a:t>
+            </a:r>
+          </a:p>
+        </p:txBody>
+      </p:sp>
+      <p:pic>
+        <p:nvPicPr>
+          <p:cNvPr id="4" name="Picture 3">
+            <a:extLst>
+              <a:ext uri="{FF2B5EF4-FFF2-40B4-BE49-F238E27FC236}">
+                <a16:creationId xmlns:a16="http://schemas.microsoft.com/office/drawing/2014/main" id="{08630D22-DBE4-4B5B-B731-D91E8E590F1F}"/>
+              </a:ext>
+            </a:extLst>
+          </p:cNvPr>
+          <p:cNvPicPr>
+            <a:picLocks noChangeAspect="1"/>
+          </p:cNvPicPr>
+          <p:nvPr/>
+        </p:nvPicPr>
+        <p:blipFill>
+          <a:blip r:embed="rId2"/>
+          <a:stretch>
+            <a:fillRect/>
+          </a:stretch>
+        </p:blipFill>
+        <p:spPr>
+          <a:xfrm>
+            <a:off x="684212" y="1196752"/>
+            <a:ext cx="7128148" cy="4939246"/>
+          </a:xfrm>
+          <a:prstGeom prst="rect">
+            <a:avLst/>
+          </a:prstGeom>
+        </p:spPr>
+      </p:pic>
+      <p:sp>
+        <p:nvSpPr>
+          <p:cNvPr id="5" name="TextBox 4">
+            <a:extLst>
+              <a:ext uri="{FF2B5EF4-FFF2-40B4-BE49-F238E27FC236}">
+                <a16:creationId xmlns:a16="http://schemas.microsoft.com/office/drawing/2014/main" id="{0147A02E-5D51-4A47-B687-63E34C81084C}"/>
+              </a:ext>
+            </a:extLst>
+          </p:cNvPr>
+          <p:cNvSpPr txBox="1"/>
+          <p:nvPr/>
+        </p:nvSpPr>
+        <p:spPr>
+          <a:xfrm>
+            <a:off x="2195736" y="6232393"/>
+            <a:ext cx="5256584" cy="369332"/>
+          </a:xfrm>
+          <a:prstGeom prst="rect">
+            <a:avLst/>
+          </a:prstGeom>
+          <a:noFill/>
+        </p:spPr>
+        <p:txBody>
+          <a:bodyPr wrap="square" rtlCol="0">
+            <a:spAutoFit/>
+          </a:bodyPr>
+          <a:lstStyle/>
+          <a:p>
+            <a:r>
+              <a:rPr lang="en-GB" b="1" dirty="0"/>
+              <a:t>https://geocompr.robinlovelace.net/index.html</a:t>
+            </a:r>
+          </a:p>
+        </p:txBody>
+      </p:sp>
+    </p:spTree>
+    <p:extLst>
+      <p:ext uri="{BB962C8B-B14F-4D97-AF65-F5344CB8AC3E}">
+        <p14:creationId xmlns:p14="http://schemas.microsoft.com/office/powerpoint/2010/main" val="3053418596"/>
+      </p:ext>
+    </p:extLst>
+  </p:cSld>
+  <p:clrMapOvr>
+    <a:masterClrMapping/>
+  </p:clrMapOvr>
+</p:sld>
+</file>
+
+<file path=ppt/slides/slide22.xml><?xml version="1.0" encoding="utf-8"?>
+<p:sld xmlns:a="http://schemas.openxmlformats.org/drawingml/2006/main" xmlns:r="http://schemas.openxmlformats.org/officeDocument/2006/relationships" xmlns:p="http://schemas.openxmlformats.org/presentationml/2006/main">
+  <p:cSld>
+    <p:spTree>
+      <p:nvGrpSpPr>
+        <p:cNvPr id="1" name=""/>
+        <p:cNvGrpSpPr/>
+        <p:nvPr/>
+      </p:nvGrpSpPr>
+      <p:grpSpPr>
+        <a:xfrm>
+          <a:off x="0" y="0"/>
+          <a:ext cx="0" cy="0"/>
+          <a:chOff x="0" y="0"/>
+          <a:chExt cx="0" cy="0"/>
+        </a:xfrm>
+      </p:grpSpPr>
+      <p:sp>
+        <p:nvSpPr>
+          <p:cNvPr id="2" name="Title 1">
+            <a:extLst>
+              <a:ext uri="{FF2B5EF4-FFF2-40B4-BE49-F238E27FC236}">
+                <a16:creationId xmlns:a16="http://schemas.microsoft.com/office/drawing/2014/main" id="{ED071ED5-2017-4738-A8A8-23D8962257A6}"/>
+              </a:ext>
+            </a:extLst>
+          </p:cNvPr>
+          <p:cNvSpPr>
+            <a:spLocks noGrp="1"/>
+          </p:cNvSpPr>
+          <p:nvPr>
+            <p:ph type="title"/>
+          </p:nvPr>
+        </p:nvSpPr>
+        <p:spPr/>
+        <p:txBody>
+          <a:bodyPr/>
+          <a:lstStyle/>
+          <a:p>
+            <a:r>
+              <a:rPr lang="en-GB" dirty="0"/>
+              <a:t>Online course materials</a:t>
+            </a:r>
+          </a:p>
+        </p:txBody>
+      </p:sp>
+      <p:sp>
+        <p:nvSpPr>
+          <p:cNvPr id="3" name="Content Placeholder 2">
+            <a:extLst>
+              <a:ext uri="{FF2B5EF4-FFF2-40B4-BE49-F238E27FC236}">
+                <a16:creationId xmlns:a16="http://schemas.microsoft.com/office/drawing/2014/main" id="{44408FC0-26D6-4AA9-9D29-ECE6CFCACEBD}"/>
+              </a:ext>
+            </a:extLst>
+          </p:cNvPr>
+          <p:cNvSpPr>
+            <a:spLocks noGrp="1"/>
+          </p:cNvSpPr>
+          <p:nvPr>
+            <p:ph idx="1"/>
+          </p:nvPr>
+        </p:nvSpPr>
+        <p:spPr>
+          <a:xfrm>
+            <a:off x="684213" y="5661248"/>
+            <a:ext cx="7997825" cy="464915"/>
+          </a:xfrm>
+        </p:spPr>
+        <p:txBody>
+          <a:bodyPr/>
+          <a:lstStyle/>
+          <a:p>
+            <a:pPr marL="0" indent="0" algn="ctr">
+              <a:buNone/>
+            </a:pPr>
+            <a:r>
+              <a:rPr lang="en-GB" dirty="0"/>
+              <a:t>&lt;URL&gt;</a:t>
+            </a:r>
+          </a:p>
+        </p:txBody>
+      </p:sp>
+      <p:pic>
+        <p:nvPicPr>
+          <p:cNvPr id="4" name="Picture 3">
+            <a:extLst>
+              <a:ext uri="{FF2B5EF4-FFF2-40B4-BE49-F238E27FC236}">
+                <a16:creationId xmlns:a16="http://schemas.microsoft.com/office/drawing/2014/main" id="{40D9FFCB-711D-4DBE-AD70-AAB5500F021D}"/>
+              </a:ext>
+            </a:extLst>
+          </p:cNvPr>
+          <p:cNvPicPr>
+            <a:picLocks noChangeAspect="1"/>
+          </p:cNvPicPr>
+          <p:nvPr/>
+        </p:nvPicPr>
+        <p:blipFill>
+          <a:blip r:embed="rId2"/>
+          <a:stretch>
+            <a:fillRect/>
+          </a:stretch>
+        </p:blipFill>
+        <p:spPr>
+          <a:xfrm>
+            <a:off x="0" y="1543284"/>
+            <a:ext cx="9144000" cy="3771431"/>
+          </a:xfrm>
+          <a:prstGeom prst="rect">
+            <a:avLst/>
+          </a:prstGeom>
+        </p:spPr>
+      </p:pic>
+    </p:spTree>
+    <p:extLst>
+      <p:ext uri="{BB962C8B-B14F-4D97-AF65-F5344CB8AC3E}">
+        <p14:creationId xmlns:p14="http://schemas.microsoft.com/office/powerpoint/2010/main" val="2437321677"/>
+      </p:ext>
+    </p:extLst>
+  </p:cSld>
+  <p:clrMapOvr>
+    <a:masterClrMapping/>
+  </p:clrMapOvr>
+</p:sld>
+</file>
+
+<file path=ppt/slides/slide23.xml><?xml version="1.0" encoding="utf-8"?>
+<p:sld xmlns:a="http://schemas.openxmlformats.org/drawingml/2006/main" xmlns:r="http://schemas.openxmlformats.org/officeDocument/2006/relationships" xmlns:p="http://schemas.openxmlformats.org/presentationml/2006/main">
+  <p:cSld>
+    <p:spTree>
+      <p:nvGrpSpPr>
+        <p:cNvPr id="1" name=""/>
+        <p:cNvGrpSpPr/>
+        <p:nvPr/>
+      </p:nvGrpSpPr>
+      <p:grpSpPr>
+        <a:xfrm>
+          <a:off x="0" y="0"/>
+          <a:ext cx="0" cy="0"/>
+          <a:chOff x="0" y="0"/>
+          <a:chExt cx="0" cy="0"/>
+        </a:xfrm>
+      </p:grpSpPr>
+      <p:sp>
+        <p:nvSpPr>
+          <p:cNvPr id="4" name="Title 3">
+            <a:extLst>
+              <a:ext uri="{FF2B5EF4-FFF2-40B4-BE49-F238E27FC236}">
+                <a16:creationId xmlns:a16="http://schemas.microsoft.com/office/drawing/2014/main" id="{955A2F22-A127-4BD4-B873-8AAE5301C62A}"/>
+              </a:ext>
+            </a:extLst>
+          </p:cNvPr>
+          <p:cNvSpPr>
+            <a:spLocks noGrp="1"/>
+          </p:cNvSpPr>
+          <p:nvPr>
+            <p:ph type="title"/>
+          </p:nvPr>
+        </p:nvSpPr>
+        <p:spPr>
+          <a:xfrm>
+            <a:off x="827584" y="2636912"/>
+            <a:ext cx="7997825" cy="2520280"/>
+          </a:xfrm>
+        </p:spPr>
+        <p:txBody>
+          <a:bodyPr/>
+          <a:lstStyle/>
+          <a:p>
+            <a:r>
+              <a:rPr lang="en-GB" dirty="0"/>
+              <a:t>Thank you for your attention.</a:t>
+            </a:r>
+            <a:br>
+              <a:rPr lang="en-GB" dirty="0"/>
+            </a:br>
+            <a:br>
+              <a:rPr lang="en-GB" dirty="0"/>
+            </a:br>
+            <a:r>
+              <a:rPr lang="en-GB" dirty="0"/>
+              <a:t>Good success with your spatial data!</a:t>
+            </a:r>
+          </a:p>
+        </p:txBody>
+      </p:sp>
+    </p:spTree>
+    <p:extLst>
+      <p:ext uri="{BB962C8B-B14F-4D97-AF65-F5344CB8AC3E}">
+        <p14:creationId xmlns:p14="http://schemas.microsoft.com/office/powerpoint/2010/main" val="1633498893"/>
       </p:ext>
     </p:extLst>
   </p:cSld>
